--- a/MachineLearningForPredictiveMaintenance.pptx
+++ b/MachineLearningForPredictiveMaintenance.pptx
@@ -8,10 +8,11 @@
     <p:sldId id="256" r:id="rId2"/>
     <p:sldId id="257" r:id="rId3"/>
     <p:sldId id="258" r:id="rId4"/>
-    <p:sldId id="259" r:id="rId5"/>
-    <p:sldId id="260" r:id="rId6"/>
-    <p:sldId id="261" r:id="rId7"/>
-    <p:sldId id="263" r:id="rId8"/>
+    <p:sldId id="265" r:id="rId5"/>
+    <p:sldId id="264" r:id="rId6"/>
+    <p:sldId id="266" r:id="rId7"/>
+    <p:sldId id="260" r:id="rId8"/>
+    <p:sldId id="267" r:id="rId9"/>
   </p:sldIdLst>
   <p:sldSz cx="12192000" cy="6858000"/>
   <p:notesSz cx="6858000" cy="9144000"/>
@@ -110,6 +111,11 @@
       </a:defRPr>
     </a:lvl9pPr>
   </p:defaultTextStyle>
+  <p:extLst>
+    <p:ext uri="{EFAFB233-063F-42B5-8137-9DF3F51BA10A}">
+      <p15:sldGuideLst xmlns:p15="http://schemas.microsoft.com/office/powerpoint/2012/main"/>
+    </p:ext>
+  </p:extLst>
 </p:presentation>
 </file>
 
@@ -3788,7 +3794,7 @@
                 <a:effectLst/>
                 <a:latin typeface="Söhne"/>
               </a:rPr>
-              <a:t>Leveraging Data Science to Optimize Asset Management</a:t>
+              <a:t>Leveraging Data Science to Optimize Asset Maintenance</a:t>
             </a:r>
             <a:endParaRPr lang="en-IN" sz="2800" dirty="0">
               <a:solidFill>
@@ -3851,16 +3857,14 @@
           <a:p>
             <a:pPr algn="ctr"/>
             <a:r>
-              <a:rPr lang="en-IN" b="1" i="0" dirty="0">
-                <a:solidFill>
-                  <a:srgbClr val="0D0D0D"/>
-                </a:solidFill>
-                <a:effectLst/>
+              <a:rPr lang="en-IN" dirty="0">
+                <a:solidFill>
+                  <a:srgbClr val="0D0D0D"/>
+                </a:solidFill>
                 <a:latin typeface="Söhne"/>
               </a:rPr>
               <a:t>Introduction</a:t>
             </a:r>
-            <a:endParaRPr lang="en-IN" dirty="0"/>
           </a:p>
         </p:txBody>
       </p:sp>
@@ -3886,6 +3890,56 @@
             <a:normAutofit/>
           </a:bodyPr>
           <a:lstStyle/>
+          <a:p>
+            <a:pPr marL="0" indent="0">
+              <a:buNone/>
+            </a:pPr>
+            <a:r>
+              <a:rPr lang="en-IN" sz="2400" b="0" i="0" dirty="0">
+                <a:solidFill>
+                  <a:srgbClr val="212021"/>
+                </a:solidFill>
+                <a:effectLst/>
+              </a:rPr>
+              <a:t>Predictive maintenance uses data analysis to identify </a:t>
+            </a:r>
+            <a:r>
+              <a:rPr lang="en-IN" sz="2400" b="1" i="0" dirty="0">
+                <a:solidFill>
+                  <a:srgbClr val="212021"/>
+                </a:solidFill>
+                <a:effectLst/>
+              </a:rPr>
+              <a:t>operational anomalies</a:t>
+            </a:r>
+            <a:r>
+              <a:rPr lang="en-IN" sz="2400" b="0" i="0" dirty="0">
+                <a:solidFill>
+                  <a:srgbClr val="212021"/>
+                </a:solidFill>
+                <a:effectLst/>
+              </a:rPr>
+              <a:t> and </a:t>
+            </a:r>
+            <a:r>
+              <a:rPr lang="en-IN" sz="2400" b="1" i="0" dirty="0">
+                <a:solidFill>
+                  <a:srgbClr val="212021"/>
+                </a:solidFill>
+                <a:effectLst/>
+              </a:rPr>
+              <a:t>potential equipment defects</a:t>
+            </a:r>
+            <a:r>
+              <a:rPr lang="en-IN" sz="2400" b="0" i="0" dirty="0">
+                <a:solidFill>
+                  <a:srgbClr val="212021"/>
+                </a:solidFill>
+                <a:effectLst/>
+              </a:rPr>
+              <a:t>, enabling timely repairs before failures occur. </a:t>
+            </a:r>
+          </a:p>
           <a:p>
             <a:pPr marL="0" indent="0">
               <a:buNone/>
@@ -3908,74 +3962,23 @@
                 </a:solidFill>
                 <a:effectLst/>
               </a:rPr>
-              <a:t>Predictive maintenance uses data analysis to identify </a:t>
-            </a:r>
-            <a:r>
-              <a:rPr lang="en-IN" sz="2400" b="1" i="0" dirty="0">
+              <a:t>It aims to minimize maintenance frequency, avoiding unplanned outages and unnecessary </a:t>
+            </a:r>
+            <a:r>
+              <a:rPr lang="en-IN" sz="2400" i="0" dirty="0">
+                <a:effectLst/>
+              </a:rPr>
+              <a:t>preventive maintenance</a:t>
+            </a:r>
+            <a:r>
+              <a:rPr lang="en-IN" sz="2400" b="0" i="0" dirty="0">
                 <a:solidFill>
                   <a:srgbClr val="212021"/>
                 </a:solidFill>
                 <a:effectLst/>
               </a:rPr>
-              <a:t>operational anomalies</a:t>
-            </a:r>
-            <a:r>
-              <a:rPr lang="en-IN" sz="2400" b="0" i="0" dirty="0">
-                <a:solidFill>
-                  <a:srgbClr val="212021"/>
-                </a:solidFill>
-                <a:effectLst/>
-              </a:rPr>
-              <a:t> and </a:t>
-            </a:r>
-            <a:r>
-              <a:rPr lang="en-IN" sz="2400" b="1" i="0" dirty="0">
-                <a:solidFill>
-                  <a:srgbClr val="212021"/>
-                </a:solidFill>
-                <a:effectLst/>
-              </a:rPr>
-              <a:t>potential equipment defects</a:t>
-            </a:r>
-            <a:r>
-              <a:rPr lang="en-IN" sz="2400" b="0" i="0" dirty="0">
-                <a:solidFill>
-                  <a:srgbClr val="212021"/>
-                </a:solidFill>
-                <a:effectLst/>
-              </a:rPr>
-              <a:t>, enabling timely repairs before failures occur. </a:t>
-            </a:r>
-          </a:p>
-          <a:p>
-            <a:pPr marL="0" indent="0">
-              <a:buNone/>
-            </a:pPr>
-            <a:r>
-              <a:rPr lang="en-IN" sz="2400" b="0" i="0" dirty="0">
-                <a:solidFill>
-                  <a:srgbClr val="212021"/>
-                </a:solidFill>
-                <a:effectLst/>
-              </a:rPr>
-              <a:t>It aims to minimize maintenance frequency, avoiding unplanned outages and unnecessary </a:t>
-            </a:r>
-            <a:r>
-              <a:rPr lang="en-IN" sz="2400" i="0" dirty="0">
-                <a:effectLst/>
-              </a:rPr>
-              <a:t>preventive maintenance</a:t>
-            </a:r>
-            <a:r>
-              <a:rPr lang="en-IN" sz="2400" b="0" i="0" dirty="0">
-                <a:solidFill>
-                  <a:srgbClr val="212021"/>
-                </a:solidFill>
-                <a:effectLst/>
-              </a:rPr>
               <a:t> costs.</a:t>
             </a:r>
-            <a:endParaRPr lang="en-IN" sz="2400" dirty="0"/>
           </a:p>
         </p:txBody>
       </p:sp>
@@ -4028,57 +4031,21 @@
         <p:spPr/>
         <p:txBody>
           <a:bodyPr>
-            <a:normAutofit fontScale="90000"/>
+            <a:normAutofit/>
           </a:bodyPr>
           <a:lstStyle/>
           <a:p>
             <a:pPr algn="ctr"/>
-            <a:br>
-              <a:rPr lang="en-IN" b="1" i="0" dirty="0">
+            <a:r>
+              <a:rPr lang="en-IN" b="0" i="0" dirty="0">
                 <a:solidFill>
                   <a:srgbClr val="0D0D0D"/>
                 </a:solidFill>
                 <a:effectLst/>
                 <a:latin typeface="Söhne"/>
               </a:rPr>
-            </a:br>
-            <a:br>
-              <a:rPr lang="en-IN" b="1" i="0" dirty="0">
-                <a:solidFill>
-                  <a:srgbClr val="0D0D0D"/>
-                </a:solidFill>
-                <a:effectLst/>
-                <a:latin typeface="Söhne"/>
-              </a:rPr>
-            </a:br>
-            <a:r>
-              <a:rPr lang="en-IN" b="1" i="0" dirty="0">
-                <a:solidFill>
-                  <a:srgbClr val="0D0D0D"/>
-                </a:solidFill>
-                <a:effectLst/>
-                <a:latin typeface="Söhne"/>
-              </a:rPr>
-              <a:t>Challenges in Traditional Maintenance</a:t>
-            </a:r>
-            <a:br>
-              <a:rPr lang="en-IN" b="0" i="0" dirty="0">
-                <a:solidFill>
-                  <a:srgbClr val="0D0D0D"/>
-                </a:solidFill>
-                <a:effectLst/>
-                <a:latin typeface="Söhne"/>
-              </a:rPr>
-            </a:br>
-            <a:br>
-              <a:rPr lang="en-IN" b="0" i="0" dirty="0">
-                <a:solidFill>
-                  <a:srgbClr val="0D0D0D"/>
-                </a:solidFill>
-                <a:effectLst/>
-                <a:latin typeface="Söhne"/>
-              </a:rPr>
-            </a:br>
+              <a:t>Benefits of Predictive Maintenance</a:t>
+            </a:r>
             <a:endParaRPr lang="en-IN" dirty="0"/>
           </a:p>
         </p:txBody>
@@ -4129,7 +4096,7 @@
                 <a:effectLst/>
                 <a:latin typeface="Söhne"/>
               </a:rPr>
-              <a:t>Reactive maintenance (breakdown maintenance)</a:t>
+              <a:t>Minimizes downtime</a:t>
             </a:r>
           </a:p>
           <a:p>
@@ -4145,7 +4112,7 @@
                 <a:effectLst/>
                 <a:latin typeface="Söhne"/>
               </a:rPr>
-              <a:t>Cost implications</a:t>
+              <a:t>Reduces costs associated with unplanned maintenance</a:t>
             </a:r>
           </a:p>
           <a:p>
@@ -4154,47 +4121,15 @@
               <a:buChar char="•"/>
             </a:pPr>
             <a:r>
-              <a:rPr lang="en-IN" dirty="0">
-                <a:solidFill>
-                  <a:srgbClr val="0D0D0D"/>
-                </a:solidFill>
+              <a:rPr lang="en-IN" b="0" i="0" dirty="0">
+                <a:solidFill>
+                  <a:srgbClr val="0D0D0D"/>
+                </a:solidFill>
+                <a:effectLst/>
                 <a:latin typeface="Söhne"/>
               </a:rPr>
-              <a:t>High Downtime</a:t>
-            </a:r>
-          </a:p>
-          <a:p>
-            <a:pPr algn="l">
-              <a:buFont typeface="Arial" panose="020B0604020202020204" pitchFamily="34" charset="0"/>
-              <a:buChar char="•"/>
-            </a:pPr>
-            <a:r>
-              <a:rPr lang="en-IN" b="0" i="0" dirty="0">
-                <a:solidFill>
-                  <a:srgbClr val="0D0D0D"/>
-                </a:solidFill>
-                <a:effectLst/>
-                <a:latin typeface="Söhne"/>
-              </a:rPr>
-              <a:t>Decreased lifespan of </a:t>
-            </a:r>
-            <a:r>
-              <a:rPr lang="en-IN" b="0" i="0" dirty="0" err="1">
-                <a:solidFill>
-                  <a:srgbClr val="0D0D0D"/>
-                </a:solidFill>
-                <a:effectLst/>
-                <a:latin typeface="Söhne"/>
-              </a:rPr>
-              <a:t>equipments</a:t>
-            </a:r>
-            <a:endParaRPr lang="en-IN" b="0" i="0" dirty="0">
-              <a:solidFill>
-                <a:srgbClr val="0D0D0D"/>
-              </a:solidFill>
-              <a:effectLst/>
-              <a:latin typeface="Söhne"/>
-            </a:endParaRPr>
+              <a:t>Optimizes equipment performance and lifespan</a:t>
+            </a:r>
           </a:p>
           <a:p>
             <a:pPr algn="l">
@@ -4262,7 +4197,7 @@
           <p:cNvPr id="2" name="Title 1">
             <a:extLst>
               <a:ext uri="{FF2B5EF4-FFF2-40B4-BE49-F238E27FC236}">
-                <a16:creationId xmlns:a16="http://schemas.microsoft.com/office/drawing/2014/main" id="{486CBE43-E82B-6061-BFDA-B45D1ED90D88}"/>
+                <a16:creationId xmlns:a16="http://schemas.microsoft.com/office/drawing/2014/main" id="{71E8C4B7-354E-B7DA-72C9-3263F148348E}"/>
               </a:ext>
             </a:extLst>
           </p:cNvPr>
@@ -4275,61 +4210,54 @@
         </p:nvSpPr>
         <p:spPr/>
         <p:txBody>
-          <a:bodyPr/>
-          <a:lstStyle/>
-          <a:p>
-            <a:r>
-              <a:rPr lang="en-IN" b="1" i="0" dirty="0">
+          <a:bodyPr>
+            <a:normAutofit/>
+          </a:bodyPr>
+          <a:lstStyle/>
+          <a:p>
+            <a:pPr algn="ctr"/>
+            <a:r>
+              <a:rPr lang="en-IN" b="0" i="0" dirty="0">
                 <a:solidFill>
                   <a:srgbClr val="0D0D0D"/>
                 </a:solidFill>
                 <a:effectLst/>
                 <a:latin typeface="Söhne"/>
               </a:rPr>
-              <a:t>Machine Learning in Predictive Maintenance</a:t>
-            </a:r>
-            <a:endParaRPr lang="en-IN" dirty="0"/>
-          </a:p>
-        </p:txBody>
-      </p:sp>
-      <p:sp>
-        <p:nvSpPr>
-          <p:cNvPr id="3" name="Content Placeholder 2">
-            <a:extLst>
-              <a:ext uri="{FF2B5EF4-FFF2-40B4-BE49-F238E27FC236}">
-                <a16:creationId xmlns:a16="http://schemas.microsoft.com/office/drawing/2014/main" id="{0ECCBFD5-58C3-5D0B-521E-BCA263CAF681}"/>
-              </a:ext>
-            </a:extLst>
-          </p:cNvPr>
-          <p:cNvSpPr>
-            <a:spLocks noGrp="1"/>
-          </p:cNvSpPr>
-          <p:nvPr>
-            <p:ph idx="1"/>
-          </p:nvPr>
-        </p:nvSpPr>
-        <p:spPr/>
-        <p:txBody>
-          <a:bodyPr/>
-          <a:lstStyle/>
-          <a:p>
-            <a:pPr algn="l">
-              <a:buFont typeface="Arial" panose="020B0604020202020204" pitchFamily="34" charset="0"/>
-              <a:buChar char="•"/>
-            </a:pPr>
-            <a:endParaRPr lang="en-IN" b="0" i="0" dirty="0">
+              <a:t>Application of ML in Predictive Maintenance</a:t>
+            </a:r>
+            <a:endParaRPr lang="en-IN" dirty="0">
               <a:solidFill>
                 <a:srgbClr val="0D0D0D"/>
               </a:solidFill>
-              <a:effectLst/>
               <a:latin typeface="Söhne"/>
             </a:endParaRPr>
           </a:p>
-          <a:p>
-            <a:pPr algn="l">
-              <a:buFont typeface="Arial" panose="020B0604020202020204" pitchFamily="34" charset="0"/>
-              <a:buChar char="•"/>
-            </a:pPr>
+        </p:txBody>
+      </p:sp>
+      <p:sp>
+        <p:nvSpPr>
+          <p:cNvPr id="3" name="Content Placeholder 2">
+            <a:extLst>
+              <a:ext uri="{FF2B5EF4-FFF2-40B4-BE49-F238E27FC236}">
+                <a16:creationId xmlns:a16="http://schemas.microsoft.com/office/drawing/2014/main" id="{970CA08B-9670-5178-AE66-AA81C5E9D72E}"/>
+              </a:ext>
+            </a:extLst>
+          </p:cNvPr>
+          <p:cNvSpPr>
+            <a:spLocks noGrp="1"/>
+          </p:cNvSpPr>
+          <p:nvPr>
+            <p:ph idx="1"/>
+          </p:nvPr>
+        </p:nvSpPr>
+        <p:spPr/>
+        <p:txBody>
+          <a:bodyPr>
+            <a:normAutofit/>
+          </a:bodyPr>
+          <a:lstStyle/>
+          <a:p>
             <a:r>
               <a:rPr lang="en-IN" b="0" i="0" dirty="0">
                 <a:solidFill>
@@ -4338,14 +4266,10 @@
                 <a:effectLst/>
                 <a:latin typeface="Söhne"/>
               </a:rPr>
-              <a:t>Overview of ML techniques used (Regression, Time Series Analysis)</a:t>
-            </a:r>
-          </a:p>
-          <a:p>
-            <a:pPr algn="l">
-              <a:buFont typeface="Arial" panose="020B0604020202020204" pitchFamily="34" charset="0"/>
-              <a:buChar char="•"/>
-            </a:pPr>
+              <a:t>Predicting equipment failures based on historical data</a:t>
+            </a:r>
+          </a:p>
+          <a:p>
             <a:r>
               <a:rPr lang="en-IN" b="0" i="0" dirty="0">
                 <a:solidFill>
@@ -4354,56 +4278,15 @@
                 <a:effectLst/>
                 <a:latin typeface="Söhne"/>
               </a:rPr>
-              <a:t>Feature Engineering: Extracting relevant features from sensor data</a:t>
-            </a:r>
-          </a:p>
-          <a:p>
-            <a:pPr algn="l">
-              <a:buFont typeface="Arial" panose="020B0604020202020204" pitchFamily="34" charset="0"/>
-              <a:buChar char="•"/>
-            </a:pPr>
-            <a:r>
-              <a:rPr lang="en-IN" b="0" i="0" dirty="0">
-                <a:solidFill>
-                  <a:srgbClr val="0D0D0D"/>
-                </a:solidFill>
-                <a:effectLst/>
-                <a:latin typeface="Söhne"/>
-              </a:rPr>
-              <a:t>Model Training: Supervised learning</a:t>
-            </a:r>
-          </a:p>
-          <a:p>
-            <a:pPr algn="l">
-              <a:buFont typeface="Arial" panose="020B0604020202020204" pitchFamily="34" charset="0"/>
-              <a:buChar char="•"/>
-            </a:pPr>
-            <a:r>
-              <a:rPr lang="en-IN" b="0" i="0" dirty="0">
-                <a:solidFill>
-                  <a:srgbClr val="0D0D0D"/>
-                </a:solidFill>
-                <a:effectLst/>
-                <a:latin typeface="Söhne"/>
-              </a:rPr>
-              <a:t>Model Evaluation: Metrics like accuracy, precision, recall, F1-score</a:t>
-            </a:r>
-          </a:p>
-          <a:p>
-            <a:endParaRPr lang="en-IN" dirty="0"/>
-          </a:p>
-          <a:p>
-            <a:pPr marL="0" indent="0">
-              <a:buNone/>
-            </a:pPr>
-            <a:endParaRPr lang="en-IN" dirty="0"/>
+              <a:t>Optimizing maintenance schedules to prevent breakdowns</a:t>
+            </a:r>
           </a:p>
         </p:txBody>
       </p:sp>
     </p:spTree>
     <p:extLst>
       <p:ext uri="{BB962C8B-B14F-4D97-AF65-F5344CB8AC3E}">
-        <p14:creationId xmlns:p14="http://schemas.microsoft.com/office/powerpoint/2010/main" val="2620771831"/>
+        <p14:creationId xmlns:p14="http://schemas.microsoft.com/office/powerpoint/2010/main" val="494933354"/>
       </p:ext>
     </p:extLst>
   </p:cSld>
@@ -4435,7 +4318,7 @@
           <p:cNvPr id="2" name="Title 1">
             <a:extLst>
               <a:ext uri="{FF2B5EF4-FFF2-40B4-BE49-F238E27FC236}">
-                <a16:creationId xmlns:a16="http://schemas.microsoft.com/office/drawing/2014/main" id="{066952AF-DC0E-68AF-7C02-76C443B7DF84}"/>
+                <a16:creationId xmlns:a16="http://schemas.microsoft.com/office/drawing/2014/main" id="{71E8C4B7-354E-B7DA-72C9-3263F148348E}"/>
               </a:ext>
             </a:extLst>
           </p:cNvPr>
@@ -4448,21 +4331,21 @@
         </p:nvSpPr>
         <p:spPr/>
         <p:txBody>
-          <a:bodyPr/>
+          <a:bodyPr>
+            <a:normAutofit/>
+          </a:bodyPr>
           <a:lstStyle/>
           <a:p>
             <a:pPr algn="ctr"/>
             <a:r>
-              <a:rPr lang="en-IN" b="1" i="0" dirty="0">
-                <a:solidFill>
-                  <a:srgbClr val="0D0D0D"/>
-                </a:solidFill>
-                <a:effectLst/>
+              <a:rPr lang="en-IN" dirty="0">
+                <a:solidFill>
+                  <a:srgbClr val="0D0D0D"/>
+                </a:solidFill>
                 <a:latin typeface="Söhne"/>
               </a:rPr>
-              <a:t>Metrics for Model Analysis</a:t>
-            </a:r>
-            <a:endParaRPr lang="en-IN" dirty="0"/>
+              <a:t>Machine Learning Techniques for Predictive Maintenance</a:t>
+            </a:r>
           </a:p>
         </p:txBody>
       </p:sp>
@@ -4471,7 +4354,7 @@
           <p:cNvPr id="3" name="Content Placeholder 2">
             <a:extLst>
               <a:ext uri="{FF2B5EF4-FFF2-40B4-BE49-F238E27FC236}">
-                <a16:creationId xmlns:a16="http://schemas.microsoft.com/office/drawing/2014/main" id="{EDB0BB22-87E3-34A0-C87C-AEE19A175251}"/>
+                <a16:creationId xmlns:a16="http://schemas.microsoft.com/office/drawing/2014/main" id="{970CA08B-9670-5178-AE66-AA81C5E9D72E}"/>
               </a:ext>
             </a:extLst>
           </p:cNvPr>
@@ -4484,9 +4367,143 @@
         </p:nvSpPr>
         <p:spPr/>
         <p:txBody>
-          <a:bodyPr/>
-          <a:lstStyle/>
-          <a:p>
+          <a:bodyPr>
+            <a:normAutofit fontScale="92500" lnSpcReduction="10000"/>
+          </a:bodyPr>
+          <a:lstStyle/>
+          <a:p>
+            <a:r>
+              <a:rPr lang="en-IN" b="0" i="0" dirty="0">
+                <a:solidFill>
+                  <a:srgbClr val="0D0D0D"/>
+                </a:solidFill>
+                <a:effectLst/>
+                <a:latin typeface="Söhne"/>
+              </a:rPr>
+              <a:t>Classification:</a:t>
+            </a:r>
+          </a:p>
+          <a:p>
+            <a:pPr lvl="1"/>
+            <a:r>
+              <a:rPr lang="en-IN" b="0" i="0" dirty="0">
+                <a:solidFill>
+                  <a:srgbClr val="0D0D0D"/>
+                </a:solidFill>
+                <a:effectLst/>
+                <a:latin typeface="Söhne"/>
+              </a:rPr>
+              <a:t>Random Forest Classifier</a:t>
+            </a:r>
+          </a:p>
+          <a:p>
+            <a:pPr lvl="1"/>
+            <a:r>
+              <a:rPr lang="en-IN" b="0" i="0" dirty="0">
+                <a:solidFill>
+                  <a:srgbClr val="0D0D0D"/>
+                </a:solidFill>
+                <a:effectLst/>
+                <a:latin typeface="Söhne"/>
+              </a:rPr>
+              <a:t>K-Neighbour</a:t>
+            </a:r>
+          </a:p>
+          <a:p>
+            <a:pPr lvl="1"/>
+            <a:r>
+              <a:rPr lang="en-IN" b="0" i="0" dirty="0">
+                <a:solidFill>
+                  <a:srgbClr val="0D0D0D"/>
+                </a:solidFill>
+                <a:effectLst/>
+                <a:latin typeface="Söhne"/>
+              </a:rPr>
+              <a:t>Support Vector</a:t>
+            </a:r>
+          </a:p>
+          <a:p>
+            <a:pPr lvl="1"/>
+            <a:r>
+              <a:rPr lang="en-IN" b="0" i="0" dirty="0">
+                <a:solidFill>
+                  <a:srgbClr val="0D0D0D"/>
+                </a:solidFill>
+                <a:effectLst/>
+                <a:latin typeface="Söhne"/>
+              </a:rPr>
+              <a:t>Gradient Boosting</a:t>
+            </a:r>
+          </a:p>
+          <a:p>
+            <a:pPr lvl="1"/>
+            <a:r>
+              <a:rPr lang="en-IN" b="0" i="0" dirty="0">
+                <a:solidFill>
+                  <a:srgbClr val="0D0D0D"/>
+                </a:solidFill>
+                <a:effectLst/>
+                <a:latin typeface="Söhne"/>
+              </a:rPr>
+              <a:t>Ridge</a:t>
+            </a:r>
+          </a:p>
+          <a:p>
+            <a:r>
+              <a:rPr lang="en-IN" b="0" i="0" dirty="0">
+                <a:solidFill>
+                  <a:srgbClr val="0D0D0D"/>
+                </a:solidFill>
+                <a:effectLst/>
+                <a:latin typeface="Söhne"/>
+              </a:rPr>
+              <a:t>Regression:</a:t>
+            </a:r>
+          </a:p>
+          <a:p>
+            <a:pPr lvl="1"/>
+            <a:r>
+              <a:rPr lang="en-IN" b="0" i="0" dirty="0">
+                <a:solidFill>
+                  <a:srgbClr val="0D0D0D"/>
+                </a:solidFill>
+                <a:effectLst/>
+                <a:latin typeface="Söhne"/>
+              </a:rPr>
+              <a:t>Regression is a statistical method used to model the relationship between a dependent (target) variable and one or more independent (predictor) variables.</a:t>
+            </a:r>
+          </a:p>
+          <a:p>
+            <a:pPr algn="l">
+              <a:buFont typeface="Arial" panose="020B0604020202020204" pitchFamily="34" charset="0"/>
+              <a:buChar char="•"/>
+            </a:pPr>
+            <a:r>
+              <a:rPr lang="en-IN" b="0" i="0" dirty="0">
+                <a:solidFill>
+                  <a:srgbClr val="0D0D0D"/>
+                </a:solidFill>
+                <a:effectLst/>
+                <a:latin typeface="Söhne"/>
+              </a:rPr>
+              <a:t>Time Series Analysis:</a:t>
+            </a:r>
+          </a:p>
+          <a:p>
+            <a:pPr marL="742950" lvl="1" indent="-285750" algn="l">
+              <a:buFont typeface="Arial" panose="020B0604020202020204" pitchFamily="34" charset="0"/>
+              <a:buChar char="•"/>
+            </a:pPr>
+            <a:r>
+              <a:rPr lang="en-IN" b="0" i="0" dirty="0">
+                <a:solidFill>
+                  <a:srgbClr val="0D0D0D"/>
+                </a:solidFill>
+                <a:effectLst/>
+                <a:latin typeface="Söhne"/>
+              </a:rPr>
+              <a:t>Time series analysis involves analysing data points collected over time to identify patterns and trends.</a:t>
+            </a:r>
             <a:endParaRPr lang="en-IN" dirty="0"/>
           </a:p>
         </p:txBody>
@@ -4494,7 +4511,7 @@
     </p:spTree>
     <p:extLst>
       <p:ext uri="{BB962C8B-B14F-4D97-AF65-F5344CB8AC3E}">
-        <p14:creationId xmlns:p14="http://schemas.microsoft.com/office/powerpoint/2010/main" val="2385751895"/>
+        <p14:creationId xmlns:p14="http://schemas.microsoft.com/office/powerpoint/2010/main" val="1678228323"/>
       </p:ext>
     </p:extLst>
   </p:cSld>
@@ -4526,7 +4543,7 @@
           <p:cNvPr id="2" name="Title 1">
             <a:extLst>
               <a:ext uri="{FF2B5EF4-FFF2-40B4-BE49-F238E27FC236}">
-                <a16:creationId xmlns:a16="http://schemas.microsoft.com/office/drawing/2014/main" id="{1A6B5402-1CE9-DD1C-25E3-73E61D29976D}"/>
+                <a16:creationId xmlns:a16="http://schemas.microsoft.com/office/drawing/2014/main" id="{71E8C4B7-354E-B7DA-72C9-3263F148348E}"/>
               </a:ext>
             </a:extLst>
           </p:cNvPr>
@@ -4539,21 +4556,28 @@
         </p:nvSpPr>
         <p:spPr/>
         <p:txBody>
-          <a:bodyPr/>
+          <a:bodyPr>
+            <a:normAutofit/>
+          </a:bodyPr>
           <a:lstStyle/>
           <a:p>
             <a:pPr algn="ctr"/>
             <a:r>
-              <a:rPr lang="en-IN" b="1" i="0" dirty="0">
+              <a:rPr lang="en-IN" b="0" i="0" dirty="0">
                 <a:solidFill>
                   <a:srgbClr val="0D0D0D"/>
                 </a:solidFill>
                 <a:effectLst/>
                 <a:latin typeface="Söhne"/>
               </a:rPr>
-              <a:t>Conclusion</a:t>
-            </a:r>
-            <a:endParaRPr lang="en-IN" dirty="0"/>
+              <a:t>Feature Engineering</a:t>
+            </a:r>
+            <a:endParaRPr lang="en-IN" dirty="0">
+              <a:solidFill>
+                <a:srgbClr val="0D0D0D"/>
+              </a:solidFill>
+              <a:latin typeface="Söhne"/>
+            </a:endParaRPr>
           </a:p>
         </p:txBody>
       </p:sp>
@@ -4562,7 +4586,7 @@
           <p:cNvPr id="3" name="Content Placeholder 2">
             <a:extLst>
               <a:ext uri="{FF2B5EF4-FFF2-40B4-BE49-F238E27FC236}">
-                <a16:creationId xmlns:a16="http://schemas.microsoft.com/office/drawing/2014/main" id="{E50FA447-C086-5729-7FFF-EE7695ED36C5}"/>
+                <a16:creationId xmlns:a16="http://schemas.microsoft.com/office/drawing/2014/main" id="{970CA08B-9670-5178-AE66-AA81C5E9D72E}"/>
               </a:ext>
             </a:extLst>
           </p:cNvPr>
@@ -4575,17 +4599,174 @@
         </p:nvSpPr>
         <p:spPr/>
         <p:txBody>
-          <a:bodyPr/>
-          <a:lstStyle/>
-          <a:p>
-            <a:endParaRPr lang="en-IN"/>
+          <a:bodyPr>
+            <a:normAutofit fontScale="77500" lnSpcReduction="20000"/>
+          </a:bodyPr>
+          <a:lstStyle/>
+          <a:p>
+            <a:r>
+              <a:rPr lang="en-IN" i="0" dirty="0">
+                <a:solidFill>
+                  <a:srgbClr val="0D0D0D"/>
+                </a:solidFill>
+                <a:effectLst/>
+                <a:latin typeface="Söhne"/>
+              </a:rPr>
+              <a:t>Data Preprocessing</a:t>
+            </a:r>
+          </a:p>
+          <a:p>
+            <a:pPr lvl="1"/>
+            <a:r>
+              <a:rPr lang="en-IN" b="0" i="0" dirty="0">
+                <a:solidFill>
+                  <a:srgbClr val="0D0D0D"/>
+                </a:solidFill>
+                <a:effectLst/>
+                <a:latin typeface="Söhne"/>
+              </a:rPr>
+              <a:t>Data Collection: Gather relevant data sources including sensor readings, maintenance logs, operational parameters, and environmental condition</a:t>
+            </a:r>
+          </a:p>
+          <a:p>
+            <a:r>
+              <a:rPr lang="en-IN" i="0" dirty="0">
+                <a:solidFill>
+                  <a:srgbClr val="0D0D0D"/>
+                </a:solidFill>
+                <a:effectLst/>
+                <a:latin typeface="Söhne"/>
+              </a:rPr>
+              <a:t>Time-Based Features</a:t>
+            </a:r>
+          </a:p>
+          <a:p>
+            <a:pPr lvl="1"/>
+            <a:r>
+              <a:rPr lang="en-IN" sz="2500" dirty="0">
+                <a:solidFill>
+                  <a:srgbClr val="0D0D0D"/>
+                </a:solidFill>
+                <a:latin typeface="Söhne"/>
+              </a:rPr>
+              <a:t>Time since last maintenance, Time since last failure</a:t>
+            </a:r>
+          </a:p>
+          <a:p>
+            <a:r>
+              <a:rPr lang="en-IN" dirty="0">
+                <a:solidFill>
+                  <a:srgbClr val="0D0D0D"/>
+                </a:solidFill>
+                <a:latin typeface="Söhne"/>
+              </a:rPr>
+              <a:t>Sensor Data Features</a:t>
+            </a:r>
+          </a:p>
+          <a:p>
+            <a:pPr lvl="1"/>
+            <a:r>
+              <a:rPr lang="en-IN" sz="2500" dirty="0">
+                <a:solidFill>
+                  <a:srgbClr val="0D0D0D"/>
+                </a:solidFill>
+                <a:latin typeface="Söhne"/>
+              </a:rPr>
+              <a:t>Identify peaks and anomalies in sensor readings that might indicate impending machine failures</a:t>
+            </a:r>
+          </a:p>
+          <a:p>
+            <a:r>
+              <a:rPr lang="en-IN" dirty="0">
+                <a:solidFill>
+                  <a:srgbClr val="0D0D0D"/>
+                </a:solidFill>
+                <a:latin typeface="Söhne"/>
+              </a:rPr>
+              <a:t>Scaling</a:t>
+            </a:r>
+          </a:p>
+          <a:p>
+            <a:pPr marL="742950" lvl="1" indent="-285750" algn="l">
+              <a:buFont typeface="Arial" panose="020B0604020202020204" pitchFamily="34" charset="0"/>
+              <a:buChar char="•"/>
+            </a:pPr>
+            <a:r>
+              <a:rPr lang="en-IN" b="0" i="0" dirty="0">
+                <a:solidFill>
+                  <a:srgbClr val="0D0D0D"/>
+                </a:solidFill>
+                <a:effectLst/>
+                <a:latin typeface="Söhne"/>
+              </a:rPr>
+              <a:t>Normalize numerical features to ensure consistency and prevent model bias.</a:t>
+            </a:r>
+          </a:p>
+          <a:p>
+            <a:r>
+              <a:rPr lang="en-IN" dirty="0">
+                <a:solidFill>
+                  <a:srgbClr val="0D0D0D"/>
+                </a:solidFill>
+                <a:latin typeface="Söhne"/>
+              </a:rPr>
+              <a:t>Model Validation</a:t>
+            </a:r>
+          </a:p>
+          <a:p>
+            <a:pPr marL="742950" lvl="1" indent="-285750" algn="l">
+              <a:buFont typeface="Arial" panose="020B0604020202020204" pitchFamily="34" charset="0"/>
+              <a:buChar char="•"/>
+            </a:pPr>
+            <a:r>
+              <a:rPr lang="en-IN" b="0" i="0" dirty="0">
+                <a:solidFill>
+                  <a:srgbClr val="0D0D0D"/>
+                </a:solidFill>
+                <a:effectLst/>
+                <a:latin typeface="Söhne"/>
+              </a:rPr>
+              <a:t>Split data into training and validation sets to evaluate the impact of feature engineering on model performance.</a:t>
+            </a:r>
+          </a:p>
+          <a:p>
+            <a:pPr marL="742950" lvl="1" indent="-285750" algn="l">
+              <a:buFont typeface="Arial" panose="020B0604020202020204" pitchFamily="34" charset="0"/>
+              <a:buChar char="•"/>
+            </a:pPr>
+            <a:r>
+              <a:rPr lang="en-IN" b="0" i="0" dirty="0">
+                <a:solidFill>
+                  <a:srgbClr val="0D0D0D"/>
+                </a:solidFill>
+                <a:effectLst/>
+                <a:latin typeface="Söhne"/>
+              </a:rPr>
+              <a:t>Metrics like accuracy, precision, recall, F1-score</a:t>
+            </a:r>
+            <a:r>
+              <a:rPr lang="en-IN" dirty="0">
+                <a:solidFill>
+                  <a:srgbClr val="0D0D0D"/>
+                </a:solidFill>
+                <a:latin typeface="Söhne"/>
+              </a:rPr>
+              <a:t> will be analysed to derive the model performance</a:t>
+            </a:r>
+            <a:endParaRPr lang="en-IN" b="0" i="0" dirty="0">
+              <a:solidFill>
+                <a:srgbClr val="0D0D0D"/>
+              </a:solidFill>
+              <a:effectLst/>
+              <a:latin typeface="Söhne"/>
+            </a:endParaRPr>
           </a:p>
         </p:txBody>
       </p:sp>
     </p:spTree>
     <p:extLst>
       <p:ext uri="{BB962C8B-B14F-4D97-AF65-F5344CB8AC3E}">
-        <p14:creationId xmlns:p14="http://schemas.microsoft.com/office/powerpoint/2010/main" val="468551770"/>
+        <p14:creationId xmlns:p14="http://schemas.microsoft.com/office/powerpoint/2010/main" val="2409672989"/>
       </p:ext>
     </p:extLst>
   </p:cSld>
@@ -4617,15 +4798,15 @@
           <p:cNvPr id="2" name="Title 1">
             <a:extLst>
               <a:ext uri="{FF2B5EF4-FFF2-40B4-BE49-F238E27FC236}">
-                <a16:creationId xmlns:a16="http://schemas.microsoft.com/office/drawing/2014/main" id="{F7917618-383F-C311-847B-2CE0587474EA}"/>
-              </a:ext>
-            </a:extLst>
-          </p:cNvPr>
-          <p:cNvSpPr>
-            <a:spLocks noGrp="1"/>
-          </p:cNvSpPr>
-          <p:nvPr>
-            <p:ph type="ctrTitle"/>
+                <a16:creationId xmlns:a16="http://schemas.microsoft.com/office/drawing/2014/main" id="{066952AF-DC0E-68AF-7C02-76C443B7DF84}"/>
+              </a:ext>
+            </a:extLst>
+          </p:cNvPr>
+          <p:cNvSpPr>
+            <a:spLocks noGrp="1"/>
+          </p:cNvSpPr>
+          <p:nvPr>
+            <p:ph type="title"/>
           </p:nvPr>
         </p:nvSpPr>
         <p:spPr/>
@@ -4633,6 +4814,45 @@
           <a:bodyPr/>
           <a:lstStyle/>
           <a:p>
+            <a:pPr algn="ctr"/>
+            <a:r>
+              <a:rPr lang="en-IN" dirty="0">
+                <a:solidFill>
+                  <a:srgbClr val="0D0D0D"/>
+                </a:solidFill>
+                <a:latin typeface="Söhne"/>
+              </a:rPr>
+              <a:t>Metrics for Model Analysis</a:t>
+            </a:r>
+          </a:p>
+        </p:txBody>
+      </p:sp>
+      <p:sp>
+        <p:nvSpPr>
+          <p:cNvPr id="3" name="Content Placeholder 2">
+            <a:extLst>
+              <a:ext uri="{FF2B5EF4-FFF2-40B4-BE49-F238E27FC236}">
+                <a16:creationId xmlns:a16="http://schemas.microsoft.com/office/drawing/2014/main" id="{EDB0BB22-87E3-34A0-C87C-AEE19A175251}"/>
+              </a:ext>
+            </a:extLst>
+          </p:cNvPr>
+          <p:cNvSpPr>
+            <a:spLocks noGrp="1"/>
+          </p:cNvSpPr>
+          <p:nvPr>
+            <p:ph idx="1"/>
+          </p:nvPr>
+        </p:nvSpPr>
+        <p:spPr/>
+        <p:txBody>
+          <a:bodyPr>
+            <a:normAutofit fontScale="47500" lnSpcReduction="20000"/>
+          </a:bodyPr>
+          <a:lstStyle/>
+          <a:p>
+            <a:pPr marL="0" indent="0" algn="l">
+              <a:buNone/>
+            </a:pPr>
             <a:r>
               <a:rPr lang="en-IN" b="1" i="0" dirty="0">
                 <a:solidFill>
@@ -4641,41 +4861,798 @@
                 <a:effectLst/>
                 <a:latin typeface="Söhne"/>
               </a:rPr>
-              <a:t>Q&amp;A</a:t>
+              <a:t>Confusion Matrix:</a:t>
+            </a:r>
+            <a:endParaRPr lang="en-IN" b="0" i="0" dirty="0">
+              <a:solidFill>
+                <a:srgbClr val="0D0D0D"/>
+              </a:solidFill>
+              <a:effectLst/>
+              <a:latin typeface="Söhne"/>
+            </a:endParaRPr>
+          </a:p>
+          <a:p>
+            <a:pPr marL="742950" lvl="1" indent="-285750" algn="l">
+              <a:buFont typeface="Arial" panose="020B0604020202020204" pitchFamily="34" charset="0"/>
+              <a:buChar char="•"/>
+            </a:pPr>
+            <a:r>
+              <a:rPr lang="en-IN" b="0" i="0" dirty="0">
+                <a:solidFill>
+                  <a:srgbClr val="0D0D0D"/>
+                </a:solidFill>
+                <a:effectLst/>
+                <a:latin typeface="Söhne"/>
+              </a:rPr>
+              <a:t>True Positive (TP): Correctly predicted positive instances.</a:t>
+            </a:r>
+          </a:p>
+          <a:p>
+            <a:pPr marL="742950" lvl="1" indent="-285750" algn="l">
+              <a:buFont typeface="Arial" panose="020B0604020202020204" pitchFamily="34" charset="0"/>
+              <a:buChar char="•"/>
+            </a:pPr>
+            <a:r>
+              <a:rPr lang="en-IN" b="0" i="0" dirty="0">
+                <a:solidFill>
+                  <a:srgbClr val="0D0D0D"/>
+                </a:solidFill>
+                <a:effectLst/>
+                <a:latin typeface="Söhne"/>
+              </a:rPr>
+              <a:t>True Negative (TN): Correctly predicted negative instances.</a:t>
+            </a:r>
+          </a:p>
+          <a:p>
+            <a:pPr marL="742950" lvl="1" indent="-285750" algn="l">
+              <a:buFont typeface="Arial" panose="020B0604020202020204" pitchFamily="34" charset="0"/>
+              <a:buChar char="•"/>
+            </a:pPr>
+            <a:r>
+              <a:rPr lang="en-IN" b="0" i="0" dirty="0">
+                <a:solidFill>
+                  <a:srgbClr val="0D0D0D"/>
+                </a:solidFill>
+                <a:effectLst/>
+                <a:latin typeface="Söhne"/>
+              </a:rPr>
+              <a:t>False Positive (FP): Incorrectly predicted as positive (Type I error).</a:t>
+            </a:r>
+          </a:p>
+          <a:p>
+            <a:pPr marL="742950" lvl="1" indent="-285750" algn="l">
+              <a:buFont typeface="Arial" panose="020B0604020202020204" pitchFamily="34" charset="0"/>
+              <a:buChar char="•"/>
+            </a:pPr>
+            <a:r>
+              <a:rPr lang="en-IN" b="0" i="0" dirty="0">
+                <a:solidFill>
+                  <a:srgbClr val="0D0D0D"/>
+                </a:solidFill>
+                <a:effectLst/>
+                <a:latin typeface="Söhne"/>
+              </a:rPr>
+              <a:t>False Negative (FN): Incorrectly predicted as negative (Type II error).</a:t>
+            </a:r>
+          </a:p>
+          <a:p>
+            <a:pPr marL="457200" lvl="1" indent="0" algn="l">
+              <a:buNone/>
+            </a:pPr>
+            <a:endParaRPr lang="en-IN" b="0" i="0" dirty="0">
+              <a:solidFill>
+                <a:srgbClr val="0D0D0D"/>
+              </a:solidFill>
+              <a:effectLst/>
+              <a:latin typeface="Söhne"/>
+            </a:endParaRPr>
+          </a:p>
+          <a:p>
+            <a:pPr marL="0" indent="0" algn="l">
+              <a:buNone/>
+            </a:pPr>
+            <a:r>
+              <a:rPr lang="en-IN" b="1" i="0" dirty="0">
+                <a:solidFill>
+                  <a:srgbClr val="0D0D0D"/>
+                </a:solidFill>
+                <a:effectLst/>
+                <a:latin typeface="Söhne"/>
+              </a:rPr>
+              <a:t>1. Accuracy:</a:t>
+            </a:r>
+            <a:endParaRPr lang="en-IN" b="0" i="0" dirty="0">
+              <a:solidFill>
+                <a:srgbClr val="0D0D0D"/>
+              </a:solidFill>
+              <a:effectLst/>
+              <a:latin typeface="Söhne"/>
+            </a:endParaRPr>
+          </a:p>
+          <a:p>
+            <a:pPr algn="l">
+              <a:buFont typeface="Arial" panose="020B0604020202020204" pitchFamily="34" charset="0"/>
+              <a:buChar char="•"/>
+            </a:pPr>
+            <a:r>
+              <a:rPr lang="en-IN" b="0" i="0" dirty="0">
+                <a:solidFill>
+                  <a:srgbClr val="0D0D0D"/>
+                </a:solidFill>
+                <a:effectLst/>
+                <a:latin typeface="Söhne"/>
+              </a:rPr>
+              <a:t>Proportion of correct predictions over total predictions.</a:t>
+            </a:r>
+          </a:p>
+          <a:p>
+            <a:pPr algn="l">
+              <a:buFont typeface="Arial" panose="020B0604020202020204" pitchFamily="34" charset="0"/>
+              <a:buChar char="•"/>
+            </a:pPr>
+            <a:r>
+              <a:rPr lang="en-IN" b="0" i="0" dirty="0">
+                <a:solidFill>
+                  <a:srgbClr val="0D0D0D"/>
+                </a:solidFill>
+                <a:effectLst/>
+                <a:latin typeface="KaTeX_Main"/>
+              </a:rPr>
+              <a:t>Accuracy=</a:t>
+            </a:r>
+            <a:r>
+              <a:rPr lang="en-IN" b="0" i="1" dirty="0">
+                <a:solidFill>
+                  <a:srgbClr val="0D0D0D"/>
+                </a:solidFill>
+                <a:effectLst/>
+                <a:latin typeface="KaTeX_Math"/>
+              </a:rPr>
+              <a:t>TP </a:t>
+            </a:r>
+            <a:r>
+              <a:rPr lang="en-IN" b="0" i="0" dirty="0">
+                <a:solidFill>
+                  <a:srgbClr val="0D0D0D"/>
+                </a:solidFill>
+                <a:effectLst/>
+                <a:latin typeface="KaTeX_Main"/>
+              </a:rPr>
+              <a:t>+ </a:t>
+            </a:r>
+            <a:r>
+              <a:rPr lang="en-IN" b="0" i="1" dirty="0">
+                <a:solidFill>
+                  <a:srgbClr val="0D0D0D"/>
+                </a:solidFill>
+                <a:effectLst/>
+                <a:latin typeface="KaTeX_Math"/>
+              </a:rPr>
+              <a:t>TN</a:t>
+            </a:r>
+            <a:r>
+              <a:rPr lang="en-IN" dirty="0">
+                <a:solidFill>
+                  <a:srgbClr val="0D0D0D"/>
+                </a:solidFill>
+                <a:latin typeface="KaTeX_Main"/>
+              </a:rPr>
+              <a:t> / </a:t>
+            </a:r>
+            <a:r>
+              <a:rPr lang="en-IN" i="1" dirty="0">
+                <a:solidFill>
+                  <a:srgbClr val="0D0D0D"/>
+                </a:solidFill>
+                <a:latin typeface="KaTeX_Main"/>
+              </a:rPr>
+              <a:t>TP+ </a:t>
+            </a:r>
+            <a:r>
+              <a:rPr lang="en-IN" b="0" i="1" dirty="0">
+                <a:solidFill>
+                  <a:srgbClr val="0D0D0D"/>
+                </a:solidFill>
+                <a:effectLst/>
+                <a:latin typeface="KaTeX_Math"/>
+              </a:rPr>
+              <a:t>TN</a:t>
+            </a:r>
+            <a:r>
+              <a:rPr lang="en-IN" b="0" i="0" dirty="0">
+                <a:solidFill>
+                  <a:srgbClr val="0D0D0D"/>
+                </a:solidFill>
+                <a:effectLst/>
+                <a:latin typeface="KaTeX_Main"/>
+              </a:rPr>
+              <a:t>​ </a:t>
+            </a:r>
+            <a:r>
+              <a:rPr lang="en-IN" b="0" i="1" dirty="0">
+                <a:solidFill>
+                  <a:srgbClr val="0D0D0D"/>
+                </a:solidFill>
+                <a:effectLst/>
+                <a:latin typeface="KaTeX_Main"/>
+              </a:rPr>
+              <a:t>+ FP + FN</a:t>
+            </a:r>
+            <a:endParaRPr lang="en-IN" i="1" dirty="0">
+              <a:solidFill>
+                <a:srgbClr val="0D0D0D"/>
+              </a:solidFill>
+              <a:latin typeface="Söhne"/>
+            </a:endParaRPr>
+          </a:p>
+          <a:p>
+            <a:pPr marL="0" indent="0" algn="l">
+              <a:buNone/>
+            </a:pPr>
+            <a:r>
+              <a:rPr lang="en-IN" b="1" i="1" dirty="0">
+                <a:solidFill>
+                  <a:srgbClr val="0D0D0D"/>
+                </a:solidFill>
+                <a:effectLst/>
+                <a:latin typeface="Söhne"/>
+              </a:rPr>
+              <a:t>2.</a:t>
+            </a:r>
+            <a:r>
+              <a:rPr lang="en-IN" b="1" i="0" dirty="0">
+                <a:solidFill>
+                  <a:srgbClr val="0D0D0D"/>
+                </a:solidFill>
+                <a:effectLst/>
+                <a:latin typeface="Söhne"/>
+              </a:rPr>
+              <a:t> Precision:</a:t>
+            </a:r>
+            <a:endParaRPr lang="en-IN" b="0" i="0" dirty="0">
+              <a:solidFill>
+                <a:srgbClr val="0D0D0D"/>
+              </a:solidFill>
+              <a:effectLst/>
+              <a:latin typeface="Söhne"/>
+            </a:endParaRPr>
+          </a:p>
+          <a:p>
+            <a:pPr algn="l">
+              <a:buFont typeface="Arial" panose="020B0604020202020204" pitchFamily="34" charset="0"/>
+              <a:buChar char="•"/>
+            </a:pPr>
+            <a:r>
+              <a:rPr lang="en-IN" b="0" i="0" dirty="0">
+                <a:solidFill>
+                  <a:srgbClr val="0D0D0D"/>
+                </a:solidFill>
+                <a:effectLst/>
+                <a:latin typeface="Söhne"/>
+              </a:rPr>
+              <a:t>Proportion of true positive predictions among all positive predictions.</a:t>
+            </a:r>
+          </a:p>
+          <a:p>
+            <a:pPr algn="l">
+              <a:buFont typeface="Arial" panose="020B0604020202020204" pitchFamily="34" charset="0"/>
+              <a:buChar char="•"/>
+            </a:pPr>
+            <a:r>
+              <a:rPr lang="en-IN" b="0" i="0" dirty="0">
+                <a:solidFill>
+                  <a:srgbClr val="0D0D0D"/>
+                </a:solidFill>
+                <a:effectLst/>
+                <a:latin typeface="KaTeX_Main"/>
+              </a:rPr>
+              <a:t>Precision=</a:t>
+            </a:r>
+            <a:r>
+              <a:rPr lang="en-IN" b="0" i="1" dirty="0">
+                <a:solidFill>
+                  <a:srgbClr val="0D0D0D"/>
+                </a:solidFill>
+                <a:effectLst/>
+                <a:latin typeface="KaTeX_Math"/>
+              </a:rPr>
+              <a:t>TP</a:t>
+            </a:r>
+            <a:r>
+              <a:rPr lang="en-IN" dirty="0">
+                <a:solidFill>
+                  <a:srgbClr val="0D0D0D"/>
+                </a:solidFill>
+                <a:latin typeface="KaTeX_Main"/>
+              </a:rPr>
+              <a:t> / </a:t>
+            </a:r>
+            <a:r>
+              <a:rPr lang="en-IN" i="1" dirty="0">
+                <a:solidFill>
+                  <a:srgbClr val="0D0D0D"/>
+                </a:solidFill>
+                <a:latin typeface="KaTeX_Main"/>
+              </a:rPr>
+              <a:t>TP + FP</a:t>
+            </a:r>
+            <a:r>
+              <a:rPr lang="en-IN" b="0" i="0" dirty="0">
+                <a:solidFill>
+                  <a:srgbClr val="0D0D0D"/>
+                </a:solidFill>
+                <a:effectLst/>
+                <a:latin typeface="KaTeX_Main"/>
+              </a:rPr>
+              <a:t>​</a:t>
+            </a:r>
+            <a:endParaRPr lang="en-IN" b="0" i="0" dirty="0">
+              <a:solidFill>
+                <a:srgbClr val="0D0D0D"/>
+              </a:solidFill>
+              <a:effectLst/>
+              <a:latin typeface="Söhne"/>
+            </a:endParaRPr>
+          </a:p>
+          <a:p>
+            <a:pPr marL="0" indent="0" algn="l">
+              <a:buNone/>
+            </a:pPr>
+            <a:r>
+              <a:rPr lang="en-IN" b="1" dirty="0">
+                <a:solidFill>
+                  <a:srgbClr val="0D0D0D"/>
+                </a:solidFill>
+                <a:latin typeface="Söhne"/>
+              </a:rPr>
+              <a:t>3.</a:t>
+            </a:r>
+            <a:r>
+              <a:rPr lang="en-IN" b="1" i="0" dirty="0">
+                <a:solidFill>
+                  <a:srgbClr val="0D0D0D"/>
+                </a:solidFill>
+                <a:effectLst/>
+                <a:latin typeface="Söhne"/>
+              </a:rPr>
+              <a:t> Recall (Sensitivity):</a:t>
+            </a:r>
+            <a:endParaRPr lang="en-IN" b="0" i="0" dirty="0">
+              <a:solidFill>
+                <a:srgbClr val="0D0D0D"/>
+              </a:solidFill>
+              <a:effectLst/>
+              <a:latin typeface="Söhne"/>
+            </a:endParaRPr>
+          </a:p>
+          <a:p>
+            <a:pPr algn="l">
+              <a:buFont typeface="Arial" panose="020B0604020202020204" pitchFamily="34" charset="0"/>
+              <a:buChar char="•"/>
+            </a:pPr>
+            <a:r>
+              <a:rPr lang="en-IN" b="0" i="0" dirty="0">
+                <a:solidFill>
+                  <a:srgbClr val="0D0D0D"/>
+                </a:solidFill>
+                <a:effectLst/>
+                <a:latin typeface="Söhne"/>
+              </a:rPr>
+              <a:t>Proportion of true positive predictions among all actual positives.</a:t>
+            </a:r>
+          </a:p>
+          <a:p>
+            <a:pPr algn="l">
+              <a:buFont typeface="Arial" panose="020B0604020202020204" pitchFamily="34" charset="0"/>
+              <a:buChar char="•"/>
+            </a:pPr>
+            <a:r>
+              <a:rPr lang="en-IN" b="0" i="0" dirty="0">
+                <a:solidFill>
+                  <a:srgbClr val="0D0D0D"/>
+                </a:solidFill>
+                <a:effectLst/>
+                <a:latin typeface="KaTeX_Main"/>
+              </a:rPr>
+              <a:t>Recall=</a:t>
+            </a:r>
+            <a:r>
+              <a:rPr lang="en-IN" b="0" i="1" dirty="0">
+                <a:solidFill>
+                  <a:srgbClr val="0D0D0D"/>
+                </a:solidFill>
+                <a:effectLst/>
+                <a:latin typeface="KaTeX_Math"/>
+              </a:rPr>
+              <a:t>TP</a:t>
+            </a:r>
+            <a:r>
+              <a:rPr lang="en-IN" dirty="0">
+                <a:solidFill>
+                  <a:srgbClr val="0D0D0D"/>
+                </a:solidFill>
+                <a:latin typeface="KaTeX_Main"/>
+              </a:rPr>
+              <a:t> / </a:t>
+            </a:r>
+            <a:r>
+              <a:rPr lang="en-IN" b="0" i="1" dirty="0">
+                <a:solidFill>
+                  <a:srgbClr val="0D0D0D"/>
+                </a:solidFill>
+                <a:effectLst/>
+                <a:latin typeface="KaTeX_Math"/>
+              </a:rPr>
+              <a:t>TP + FN</a:t>
+            </a:r>
+            <a:r>
+              <a:rPr lang="en-IN" b="0" i="0" dirty="0">
+                <a:solidFill>
+                  <a:srgbClr val="0D0D0D"/>
+                </a:solidFill>
+                <a:effectLst/>
+                <a:latin typeface="KaTeX_Main"/>
+              </a:rPr>
+              <a:t>​</a:t>
+            </a:r>
+            <a:endParaRPr lang="en-IN" b="0" i="0" dirty="0">
+              <a:solidFill>
+                <a:srgbClr val="0D0D0D"/>
+              </a:solidFill>
+              <a:effectLst/>
+              <a:latin typeface="Söhne"/>
+            </a:endParaRPr>
+          </a:p>
+          <a:p>
+            <a:pPr marL="0" indent="0" algn="l">
+              <a:buNone/>
+            </a:pPr>
+            <a:r>
+              <a:rPr lang="en-IN" b="1" dirty="0">
+                <a:solidFill>
+                  <a:srgbClr val="0D0D0D"/>
+                </a:solidFill>
+                <a:latin typeface="Söhne"/>
+              </a:rPr>
+              <a:t>4. </a:t>
+            </a:r>
+            <a:r>
+              <a:rPr lang="en-IN" b="1" i="0" dirty="0">
+                <a:solidFill>
+                  <a:srgbClr val="0D0D0D"/>
+                </a:solidFill>
+                <a:effectLst/>
+                <a:latin typeface="Söhne"/>
+              </a:rPr>
+              <a:t>F1 Score:</a:t>
+            </a:r>
+            <a:endParaRPr lang="en-IN" b="0" i="0" dirty="0">
+              <a:solidFill>
+                <a:srgbClr val="0D0D0D"/>
+              </a:solidFill>
+              <a:effectLst/>
+              <a:latin typeface="Söhne"/>
+            </a:endParaRPr>
+          </a:p>
+          <a:p>
+            <a:pPr algn="l">
+              <a:buFont typeface="Arial" panose="020B0604020202020204" pitchFamily="34" charset="0"/>
+              <a:buChar char="•"/>
+            </a:pPr>
+            <a:r>
+              <a:rPr lang="en-IN" b="0" i="0" dirty="0">
+                <a:solidFill>
+                  <a:srgbClr val="0D0D0D"/>
+                </a:solidFill>
+                <a:effectLst/>
+                <a:latin typeface="Söhne"/>
+              </a:rPr>
+              <a:t>Harmonic mean of precision and recall, providing a balance between the two metrics.</a:t>
+            </a:r>
+          </a:p>
+          <a:p>
+            <a:pPr algn="l">
+              <a:buFont typeface="Arial" panose="020B0604020202020204" pitchFamily="34" charset="0"/>
+              <a:buChar char="•"/>
+            </a:pPr>
+            <a:r>
+              <a:rPr lang="en-IN" b="0" i="0" dirty="0">
+                <a:solidFill>
+                  <a:srgbClr val="0D0D0D"/>
+                </a:solidFill>
+                <a:effectLst/>
+                <a:latin typeface="KaTeX_Main"/>
+              </a:rPr>
+              <a:t>F1 Score=2 × (</a:t>
+            </a:r>
+            <a:r>
+              <a:rPr lang="en-IN" b="0" i="0" dirty="0" err="1">
+                <a:solidFill>
+                  <a:srgbClr val="0D0D0D"/>
+                </a:solidFill>
+                <a:effectLst/>
+                <a:latin typeface="KaTeX_Main"/>
+              </a:rPr>
+              <a:t>Precision×Recall</a:t>
+            </a:r>
+            <a:r>
+              <a:rPr lang="en-IN" b="0" i="0" dirty="0">
+                <a:solidFill>
+                  <a:srgbClr val="0D0D0D"/>
+                </a:solidFill>
+                <a:effectLst/>
+                <a:latin typeface="KaTeX_Main"/>
+              </a:rPr>
+              <a:t>) / (</a:t>
+            </a:r>
+            <a:r>
+              <a:rPr lang="en-IN" b="0" i="0" dirty="0" err="1">
+                <a:solidFill>
+                  <a:srgbClr val="0D0D0D"/>
+                </a:solidFill>
+                <a:effectLst/>
+                <a:latin typeface="KaTeX_Main"/>
+              </a:rPr>
+              <a:t>Precision+Recall</a:t>
+            </a:r>
+            <a:r>
+              <a:rPr lang="en-IN" b="0" i="0" dirty="0">
+                <a:solidFill>
+                  <a:srgbClr val="0D0D0D"/>
+                </a:solidFill>
+                <a:effectLst/>
+                <a:latin typeface="KaTeX_Main"/>
+              </a:rPr>
+              <a:t>)</a:t>
             </a:r>
             <a:endParaRPr lang="en-IN" dirty="0"/>
           </a:p>
         </p:txBody>
       </p:sp>
-      <p:sp>
-        <p:nvSpPr>
-          <p:cNvPr id="3" name="Subtitle 2">
-            <a:extLst>
-              <a:ext uri="{FF2B5EF4-FFF2-40B4-BE49-F238E27FC236}">
-                <a16:creationId xmlns:a16="http://schemas.microsoft.com/office/drawing/2014/main" id="{9B82B31C-5D48-D187-CD50-15DCE052415F}"/>
-              </a:ext>
-            </a:extLst>
-          </p:cNvPr>
-          <p:cNvSpPr>
-            <a:spLocks noGrp="1"/>
-          </p:cNvSpPr>
-          <p:nvPr>
-            <p:ph type="subTitle" idx="1"/>
-          </p:nvPr>
-        </p:nvSpPr>
-        <p:spPr/>
-        <p:txBody>
-          <a:bodyPr/>
-          <a:lstStyle/>
-          <a:p>
-            <a:endParaRPr lang="en-IN" dirty="0"/>
+      <p:graphicFrame>
+        <p:nvGraphicFramePr>
+          <p:cNvPr id="4" name="Table 4">
+            <a:extLst>
+              <a:ext uri="{FF2B5EF4-FFF2-40B4-BE49-F238E27FC236}">
+                <a16:creationId xmlns:a16="http://schemas.microsoft.com/office/drawing/2014/main" id="{80788604-1AB7-0FCA-6B38-12BADD577367}"/>
+              </a:ext>
+            </a:extLst>
+          </p:cNvPr>
+          <p:cNvGraphicFramePr>
+            <a:graphicFrameLocks noGrp="1"/>
+          </p:cNvGraphicFramePr>
+          <p:nvPr>
+            <p:extLst>
+              <p:ext uri="{D42A27DB-BD31-4B8C-83A1-F6EECF244321}">
+                <p14:modId xmlns:p14="http://schemas.microsoft.com/office/powerpoint/2010/main" val="3553936950"/>
+              </p:ext>
+            </p:extLst>
+          </p:nvPr>
+        </p:nvGraphicFramePr>
+        <p:xfrm>
+          <a:off x="7375525" y="1986490"/>
+          <a:ext cx="1463676" cy="756710"/>
+        </p:xfrm>
+        <a:graphic>
+          <a:graphicData uri="http://schemas.openxmlformats.org/drawingml/2006/table">
+            <a:tbl>
+              <a:tblPr firstRow="1" bandRow="1">
+                <a:tableStyleId>{5C22544A-7EE6-4342-B048-85BDC9FD1C3A}</a:tableStyleId>
+              </a:tblPr>
+              <a:tblGrid>
+                <a:gridCol w="731838">
+                  <a:extLst>
+                    <a:ext uri="{9D8B030D-6E8A-4147-A177-3AD203B41FA5}">
+                      <a16:colId xmlns:a16="http://schemas.microsoft.com/office/drawing/2014/main" val="1057159930"/>
+                    </a:ext>
+                  </a:extLst>
+                </a:gridCol>
+                <a:gridCol w="731838">
+                  <a:extLst>
+                    <a:ext uri="{9D8B030D-6E8A-4147-A177-3AD203B41FA5}">
+                      <a16:colId xmlns:a16="http://schemas.microsoft.com/office/drawing/2014/main" val="2837361544"/>
+                    </a:ext>
+                  </a:extLst>
+                </a:gridCol>
+              </a:tblGrid>
+              <a:tr h="378355">
+                <a:tc>
+                  <a:txBody>
+                    <a:bodyPr/>
+                    <a:lstStyle/>
+                    <a:p>
+                      <a:pPr algn="ctr"/>
+                      <a:r>
+                        <a:rPr lang="en-IN" dirty="0"/>
+                        <a:t>TP</a:t>
+                      </a:r>
+                    </a:p>
+                  </a:txBody>
+                  <a:tcPr/>
+                </a:tc>
+                <a:tc>
+                  <a:txBody>
+                    <a:bodyPr/>
+                    <a:lstStyle/>
+                    <a:p>
+                      <a:pPr algn="ctr"/>
+                      <a:r>
+                        <a:rPr lang="en-IN" dirty="0"/>
+                        <a:t>TN</a:t>
+                      </a:r>
+                    </a:p>
+                  </a:txBody>
+                  <a:tcPr/>
+                </a:tc>
+                <a:extLst>
+                  <a:ext uri="{0D108BD9-81ED-4DB2-BD59-A6C34878D82A}">
+                    <a16:rowId xmlns:a16="http://schemas.microsoft.com/office/drawing/2014/main" val="3389960847"/>
+                  </a:ext>
+                </a:extLst>
+              </a:tr>
+              <a:tr h="378355">
+                <a:tc>
+                  <a:txBody>
+                    <a:bodyPr/>
+                    <a:lstStyle/>
+                    <a:p>
+                      <a:pPr algn="ctr"/>
+                      <a:r>
+                        <a:rPr lang="en-IN" dirty="0"/>
+                        <a:t>FP</a:t>
+                      </a:r>
+                    </a:p>
+                  </a:txBody>
+                  <a:tcPr/>
+                </a:tc>
+                <a:tc>
+                  <a:txBody>
+                    <a:bodyPr/>
+                    <a:lstStyle/>
+                    <a:p>
+                      <a:pPr algn="ctr"/>
+                      <a:r>
+                        <a:rPr lang="en-IN" dirty="0"/>
+                        <a:t>FN</a:t>
+                      </a:r>
+                    </a:p>
+                  </a:txBody>
+                  <a:tcPr/>
+                </a:tc>
+                <a:extLst>
+                  <a:ext uri="{0D108BD9-81ED-4DB2-BD59-A6C34878D82A}">
+                    <a16:rowId xmlns:a16="http://schemas.microsoft.com/office/drawing/2014/main" val="4111835688"/>
+                  </a:ext>
+                </a:extLst>
+              </a:tr>
+            </a:tbl>
+          </a:graphicData>
+        </a:graphic>
+      </p:graphicFrame>
+      <p:sp>
+        <p:nvSpPr>
+          <p:cNvPr id="5" name="TextBox 4">
+            <a:extLst>
+              <a:ext uri="{FF2B5EF4-FFF2-40B4-BE49-F238E27FC236}">
+                <a16:creationId xmlns:a16="http://schemas.microsoft.com/office/drawing/2014/main" id="{60E2E186-9646-9F11-1A04-F7E922B35BA2}"/>
+              </a:ext>
+            </a:extLst>
+          </p:cNvPr>
+          <p:cNvSpPr txBox="1"/>
+          <p:nvPr/>
+        </p:nvSpPr>
+        <p:spPr>
+          <a:xfrm>
+            <a:off x="7375525" y="3105834"/>
+            <a:ext cx="3609975" cy="646331"/>
+          </a:xfrm>
+          <a:prstGeom prst="rect">
+            <a:avLst/>
+          </a:prstGeom>
+        </p:spPr>
+        <p:style>
+          <a:lnRef idx="2">
+            <a:schemeClr val="accent3">
+              <a:shade val="15000"/>
+            </a:schemeClr>
+          </a:lnRef>
+          <a:fillRef idx="1">
+            <a:schemeClr val="accent3"/>
+          </a:fillRef>
+          <a:effectRef idx="0">
+            <a:schemeClr val="accent3"/>
+          </a:effectRef>
+          <a:fontRef idx="minor">
+            <a:schemeClr val="lt1"/>
+          </a:fontRef>
+        </p:style>
+        <p:txBody>
+          <a:bodyPr wrap="square" rtlCol="0">
+            <a:spAutoFit/>
+          </a:bodyPr>
+          <a:lstStyle/>
+          <a:p>
+            <a:pPr algn="ctr"/>
+            <a:r>
+              <a:rPr lang="en-IN" dirty="0"/>
+              <a:t>Best model: Support Vector Machine with an accuracy of 0.56</a:t>
+            </a:r>
           </a:p>
         </p:txBody>
       </p:sp>
     </p:spTree>
     <p:extLst>
       <p:ext uri="{BB962C8B-B14F-4D97-AF65-F5344CB8AC3E}">
-        <p14:creationId xmlns:p14="http://schemas.microsoft.com/office/powerpoint/2010/main" val="4235370178"/>
+        <p14:creationId xmlns:p14="http://schemas.microsoft.com/office/powerpoint/2010/main" val="2385751895"/>
+      </p:ext>
+    </p:extLst>
+  </p:cSld>
+  <p:clrMapOvr>
+    <a:masterClrMapping/>
+  </p:clrMapOvr>
+</p:sld>
+</file>
+
+<file path=ppt/slides/slide8.xml><?xml version="1.0" encoding="utf-8"?>
+<p:sld xmlns:a="http://schemas.openxmlformats.org/drawingml/2006/main" xmlns:r="http://schemas.openxmlformats.org/officeDocument/2006/relationships" xmlns:p="http://schemas.openxmlformats.org/presentationml/2006/main">
+  <p:cSld>
+    <p:spTree>
+      <p:nvGrpSpPr>
+        <p:cNvPr id="1" name=""/>
+        <p:cNvGrpSpPr/>
+        <p:nvPr/>
+      </p:nvGrpSpPr>
+      <p:grpSpPr>
+        <a:xfrm>
+          <a:off x="0" y="0"/>
+          <a:ext cx="0" cy="0"/>
+          <a:chOff x="0" y="0"/>
+          <a:chExt cx="0" cy="0"/>
+        </a:xfrm>
+      </p:grpSpPr>
+      <p:sp>
+        <p:nvSpPr>
+          <p:cNvPr id="2" name="Title 1">
+            <a:extLst>
+              <a:ext uri="{FF2B5EF4-FFF2-40B4-BE49-F238E27FC236}">
+                <a16:creationId xmlns:a16="http://schemas.microsoft.com/office/drawing/2014/main" id="{1A6B5402-1CE9-DD1C-25E3-73E61D29976D}"/>
+              </a:ext>
+            </a:extLst>
+          </p:cNvPr>
+          <p:cNvSpPr>
+            <a:spLocks noGrp="1"/>
+          </p:cNvSpPr>
+          <p:nvPr>
+            <p:ph type="title"/>
+          </p:nvPr>
+        </p:nvSpPr>
+        <p:spPr>
+          <a:xfrm>
+            <a:off x="838200" y="365125"/>
+            <a:ext cx="10515600" cy="5811838"/>
+          </a:xfrm>
+        </p:spPr>
+        <p:txBody>
+          <a:bodyPr/>
+          <a:lstStyle/>
+          <a:p>
+            <a:pPr algn="ctr"/>
+            <a:r>
+              <a:rPr lang="en-IN" dirty="0">
+                <a:solidFill>
+                  <a:srgbClr val="0D0D0D"/>
+                </a:solidFill>
+                <a:latin typeface="Söhne"/>
+              </a:rPr>
+              <a:t>Q&amp;A</a:t>
+            </a:r>
+          </a:p>
+        </p:txBody>
+      </p:sp>
+    </p:spTree>
+    <p:extLst>
+      <p:ext uri="{BB962C8B-B14F-4D97-AF65-F5344CB8AC3E}">
+        <p14:creationId xmlns:p14="http://schemas.microsoft.com/office/powerpoint/2010/main" val="1627369280"/>
       </p:ext>
     </p:extLst>
   </p:cSld>
